--- a/NoSQL Presentation.pptx
+++ b/NoSQL Presentation.pptx
@@ -107,6 +107,11 @@
       </a:defRPr>
     </a:lvl9pPr>
   </p:defaultTextStyle>
+  <p:extLst>
+    <p:ext uri="{EFAFB233-063F-42B5-8137-9DF3F51BA10A}">
+      <p15:sldGuideLst xmlns:p15="http://schemas.microsoft.com/office/powerpoint/2012/main"/>
+    </p:ext>
+  </p:extLst>
 </p:presentation>
 </file>
 
@@ -257,7 +262,7 @@
           <a:p>
             <a:fld id="{01065076-3770-4830-BFE8-9DE1D8D82A8E}" type="datetimeFigureOut">
               <a:rPr lang="fr-FR" smtClean="0"/>
-              <a:t>02/02/2021</a:t>
+              <a:t>09/02/2021</a:t>
             </a:fld>
             <a:endParaRPr lang="fr-FR"/>
           </a:p>
@@ -455,7 +460,7 @@
           <a:p>
             <a:fld id="{01065076-3770-4830-BFE8-9DE1D8D82A8E}" type="datetimeFigureOut">
               <a:rPr lang="fr-FR" smtClean="0"/>
-              <a:t>02/02/2021</a:t>
+              <a:t>09/02/2021</a:t>
             </a:fld>
             <a:endParaRPr lang="fr-FR"/>
           </a:p>
@@ -663,7 +668,7 @@
           <a:p>
             <a:fld id="{01065076-3770-4830-BFE8-9DE1D8D82A8E}" type="datetimeFigureOut">
               <a:rPr lang="fr-FR" smtClean="0"/>
-              <a:t>02/02/2021</a:t>
+              <a:t>09/02/2021</a:t>
             </a:fld>
             <a:endParaRPr lang="fr-FR"/>
           </a:p>
@@ -861,7 +866,7 @@
           <a:p>
             <a:fld id="{01065076-3770-4830-BFE8-9DE1D8D82A8E}" type="datetimeFigureOut">
               <a:rPr lang="fr-FR" smtClean="0"/>
-              <a:t>02/02/2021</a:t>
+              <a:t>09/02/2021</a:t>
             </a:fld>
             <a:endParaRPr lang="fr-FR"/>
           </a:p>
@@ -1136,7 +1141,7 @@
           <a:p>
             <a:fld id="{01065076-3770-4830-BFE8-9DE1D8D82A8E}" type="datetimeFigureOut">
               <a:rPr lang="fr-FR" smtClean="0"/>
-              <a:t>02/02/2021</a:t>
+              <a:t>09/02/2021</a:t>
             </a:fld>
             <a:endParaRPr lang="fr-FR"/>
           </a:p>
@@ -1401,7 +1406,7 @@
           <a:p>
             <a:fld id="{01065076-3770-4830-BFE8-9DE1D8D82A8E}" type="datetimeFigureOut">
               <a:rPr lang="fr-FR" smtClean="0"/>
-              <a:t>02/02/2021</a:t>
+              <a:t>09/02/2021</a:t>
             </a:fld>
             <a:endParaRPr lang="fr-FR"/>
           </a:p>
@@ -1813,7 +1818,7 @@
           <a:p>
             <a:fld id="{01065076-3770-4830-BFE8-9DE1D8D82A8E}" type="datetimeFigureOut">
               <a:rPr lang="fr-FR" smtClean="0"/>
-              <a:t>02/02/2021</a:t>
+              <a:t>09/02/2021</a:t>
             </a:fld>
             <a:endParaRPr lang="fr-FR"/>
           </a:p>
@@ -1954,7 +1959,7 @@
           <a:p>
             <a:fld id="{01065076-3770-4830-BFE8-9DE1D8D82A8E}" type="datetimeFigureOut">
               <a:rPr lang="fr-FR" smtClean="0"/>
-              <a:t>02/02/2021</a:t>
+              <a:t>09/02/2021</a:t>
             </a:fld>
             <a:endParaRPr lang="fr-FR"/>
           </a:p>
@@ -2067,7 +2072,7 @@
           <a:p>
             <a:fld id="{01065076-3770-4830-BFE8-9DE1D8D82A8E}" type="datetimeFigureOut">
               <a:rPr lang="fr-FR" smtClean="0"/>
-              <a:t>02/02/2021</a:t>
+              <a:t>09/02/2021</a:t>
             </a:fld>
             <a:endParaRPr lang="fr-FR"/>
           </a:p>
@@ -2378,7 +2383,7 @@
           <a:p>
             <a:fld id="{01065076-3770-4830-BFE8-9DE1D8D82A8E}" type="datetimeFigureOut">
               <a:rPr lang="fr-FR" smtClean="0"/>
-              <a:t>02/02/2021</a:t>
+              <a:t>09/02/2021</a:t>
             </a:fld>
             <a:endParaRPr lang="fr-FR"/>
           </a:p>
@@ -2666,7 +2671,7 @@
           <a:p>
             <a:fld id="{01065076-3770-4830-BFE8-9DE1D8D82A8E}" type="datetimeFigureOut">
               <a:rPr lang="fr-FR" smtClean="0"/>
-              <a:t>02/02/2021</a:t>
+              <a:t>09/02/2021</a:t>
             </a:fld>
             <a:endParaRPr lang="fr-FR"/>
           </a:p>
@@ -2907,7 +2912,7 @@
           <a:p>
             <a:fld id="{01065076-3770-4830-BFE8-9DE1D8D82A8E}" type="datetimeFigureOut">
               <a:rPr lang="fr-FR" smtClean="0"/>
-              <a:t>02/02/2021</a:t>
+              <a:t>09/02/2021</a:t>
             </a:fld>
             <a:endParaRPr lang="fr-FR"/>
           </a:p>
@@ -4626,6 +4631,25 @@
               <a:t>Visual Studio (Live Share) </a:t>
             </a:r>
           </a:p>
+          <a:p>
+            <a:endParaRPr lang="fr-FR" sz="2000" dirty="0">
+              <a:solidFill>
+                <a:srgbClr val="000000"/>
+              </a:solidFill>
+              <a:latin typeface="Montserrat Light" panose="00000400000000000000" pitchFamily="2" charset="0"/>
+            </a:endParaRPr>
+          </a:p>
+          <a:p>
+            <a:r>
+              <a:rPr lang="fr-FR" sz="2000" dirty="0">
+                <a:solidFill>
+                  <a:srgbClr val="000000"/>
+                </a:solidFill>
+                <a:latin typeface="Montserrat Light" panose="00000400000000000000" pitchFamily="2" charset="0"/>
+              </a:rPr>
+              <a:t>Postman</a:t>
+            </a:r>
+          </a:p>
         </p:txBody>
       </p:sp>
       <p:sp>
